--- a/CS612-Assigment5-WebServiceSlides.pptx
+++ b/CS612-Assigment5-WebServiceSlides.pptx
@@ -106,6 +106,22 @@
       </a:defRPr>
     </a:lvl9pPr>
   </p:defaultTextStyle>
+  <p:extLst>
+    <p:ext uri="{EFAFB233-063F-42B5-8137-9DF3F51BA10A}">
+      <p15:sldGuideLst xmlns:p15="http://schemas.microsoft.com/office/powerpoint/2012/main">
+        <p15:guide id="1" orient="horz" pos="2160">
+          <p15:clr>
+            <a:srgbClr val="A4A3A4"/>
+          </p15:clr>
+        </p15:guide>
+        <p15:guide id="2" pos="2880">
+          <p15:clr>
+            <a:srgbClr val="A4A3A4"/>
+          </p15:clr>
+        </p15:guide>
+      </p15:sldGuideLst>
+    </p:ext>
+  </p:extLst>
 </p:presentation>
 </file>
 
@@ -3295,7 +3311,7 @@
         </p:nvSpPr>
         <p:spPr>
           <a:xfrm>
-            <a:off x="990600" y="1219200"/>
+            <a:off x="990600" y="1260785"/>
             <a:ext cx="7315200" cy="1154097"/>
           </a:xfrm>
         </p:spPr>
@@ -3506,6 +3522,36 @@
           <a:xfrm>
             <a:off x="4267200" y="160337"/>
             <a:ext cx="3833136" cy="1456592"/>
+          </a:xfrm>
+          <a:prstGeom prst="rect">
+            <a:avLst/>
+          </a:prstGeom>
+        </p:spPr>
+      </p:pic>
+      <p:pic>
+        <p:nvPicPr>
+          <p:cNvPr id="6" name="Picture 5"/>
+          <p:cNvPicPr>
+            <a:picLocks noChangeAspect="1"/>
+          </p:cNvPicPr>
+          <p:nvPr/>
+        </p:nvPicPr>
+        <p:blipFill>
+          <a:blip r:embed="rId3" cstate="print">
+            <a:extLst>
+              <a:ext uri="{28A0092B-C50C-407E-A947-70E740481C1C}">
+                <a14:useLocalDpi xmlns:a14="http://schemas.microsoft.com/office/drawing/2010/main" val="0"/>
+              </a:ext>
+            </a:extLst>
+          </a:blip>
+          <a:stretch>
+            <a:fillRect/>
+          </a:stretch>
+        </p:blipFill>
+        <p:spPr>
+          <a:xfrm rot="5400000">
+            <a:off x="14891" y="287881"/>
+            <a:ext cx="1540488" cy="1292225"/>
           </a:xfrm>
           <a:prstGeom prst="rect">
             <a:avLst/>
